--- a/Documentation/Slides/Week_8.pptx
+++ b/Documentation/Slides/Week_8.pptx
@@ -20,14 +20,14 @@
   <p:notesSz cx="6858000" cy="9144000"/>
   <p:embeddedFontLst>
     <p:embeddedFont>
-      <p:font typeface="Acumin Pro Condensed Semibold" panose="020B0604020202020204" charset="0"/>
+      <p:font typeface="Acumin Pro Condensed Semibold" panose="020B0706020202020204" pitchFamily="34" charset="77"/>
       <p:regular r:id="rId13"/>
       <p:bold r:id="rId14"/>
       <p:italic r:id="rId15"/>
       <p:boldItalic r:id="rId16"/>
     </p:embeddedFont>
     <p:embeddedFont>
-      <p:font typeface="Acumin Pro Medium" panose="020B0604020202020204" charset="0"/>
+      <p:font typeface="Acumin Pro Medium" panose="020B0604020202020204" pitchFamily="34" charset="77"/>
       <p:regular r:id="rId17"/>
       <p:italic r:id="rId18"/>
     </p:embeddedFont>
@@ -248,7 +248,7 @@
           <a:p>
             <a:fld id="{01926CF7-48D8-2F46-AFC8-8A5D2298DFDD}" type="datetimeFigureOut">
               <a:rPr lang="en-US" smtClean="0"/>
-              <a:t>11/10/2025</a:t>
+              <a:t>11/14/25</a:t>
             </a:fld>
             <a:endParaRPr lang="en-US"/>
           </a:p>
@@ -13512,7 +13512,7 @@
             </a:r>
             <a:r>
               <a:rPr lang="en-US" dirty="0"/>
-              <a:t>11</a:t>
+              <a:t>12</a:t>
             </a:r>
             <a:endParaRPr lang="en-US" b="1" dirty="0">
               <a:latin typeface="Acumin Pro Condensed Semibold" panose="020B0506020202020204" pitchFamily="34" charset="77"/>
@@ -13575,7 +13575,7 @@
           <a:p>
             <a:r>
               <a:rPr lang="en-US" dirty="0"/>
-              <a:t>11/07/25</a:t>
+              <a:t>11/14/25</a:t>
             </a:r>
           </a:p>
         </p:txBody>
@@ -15212,6 +15212,49 @@
 </file>
 
 <file path=customXml/item1.xml><?xml version="1.0" encoding="utf-8"?>
+<p:properties xmlns:p="http://schemas.microsoft.com/office/2006/metadata/properties" xmlns:xsi="http://www.w3.org/2001/XMLSchema-instance" xmlns:pc="http://schemas.microsoft.com/office/infopath/2007/PartnerControls">
+  <documentManagement>
+    <SharedWithUsers xmlns="d6656b4d-3fa0-4709-acfb-d5e813445d1e">
+      <UserInfo>
+        <DisplayName>Schott, Thomas H.</DisplayName>
+        <AccountId>17</AccountId>
+        <AccountType/>
+      </UserInfo>
+      <UserInfo>
+        <DisplayName>Sarault, Olivia M</DisplayName>
+        <AccountId>29</AccountId>
+        <AccountType/>
+      </UserInfo>
+      <UserInfo>
+        <DisplayName>Hiller, Kelly R</DisplayName>
+        <AccountId>98</AccountId>
+        <AccountType/>
+      </UserInfo>
+      <UserInfo>
+        <DisplayName>Eddy, Abigail Ellen</DisplayName>
+        <AccountId>46</AccountId>
+        <AccountType/>
+      </UserInfo>
+      <UserInfo>
+        <DisplayName>Gu, Yu Rain</DisplayName>
+        <AccountId>77</AccountId>
+        <AccountType/>
+      </UserInfo>
+      <UserInfo>
+        <DisplayName>Reese, Kristy S</DisplayName>
+        <AccountId>26</AccountId>
+        <AccountType/>
+      </UserInfo>
+    </SharedWithUsers>
+    <lcf76f155ced4ddcb4097134ff3c332f xmlns="37af3f4b-4b66-46f9-8456-831d9bc3e737">
+      <Terms xmlns="http://schemas.microsoft.com/office/infopath/2007/PartnerControls"/>
+    </lcf76f155ced4ddcb4097134ff3c332f>
+    <TaxCatchAll xmlns="d6656b4d-3fa0-4709-acfb-d5e813445d1e" xsi:nil="true"/>
+  </documentManagement>
+</p:properties>
+</file>
+
+<file path=customXml/item2.xml><?xml version="1.0" encoding="utf-8"?>
 <ct:contentTypeSchema xmlns:ct="http://schemas.microsoft.com/office/2006/metadata/contentType" xmlns:ma="http://schemas.microsoft.com/office/2006/metadata/properties/metaAttributes" ct:_="" ma:_="" ma:contentTypeName="Document" ma:contentTypeID="0x01010054E202481DC1CB46AA011D949D311478" ma:contentTypeVersion="13" ma:contentTypeDescription="Create a new document." ma:contentTypeScope="" ma:versionID="309c718596e4092f54ce9aa93358bb8d">
   <xsd:schema xmlns:xsd="http://www.w3.org/2001/XMLSchema" xmlns:xs="http://www.w3.org/2001/XMLSchema" xmlns:p="http://schemas.microsoft.com/office/2006/metadata/properties" xmlns:ns2="37af3f4b-4b66-46f9-8456-831d9bc3e737" xmlns:ns3="d6656b4d-3fa0-4709-acfb-d5e813445d1e" targetNamespace="http://schemas.microsoft.com/office/2006/metadata/properties" ma:root="true" ma:fieldsID="0c34f3e70276db9d2471c2526b8de3df" ns2:_="" ns3:_="">
     <xsd:import namespace="37af3f4b-4b66-46f9-8456-831d9bc3e737"/>
@@ -15434,49 +15477,6 @@
 </ct:contentTypeSchema>
 </file>
 
-<file path=customXml/item2.xml><?xml version="1.0" encoding="utf-8"?>
-<p:properties xmlns:p="http://schemas.microsoft.com/office/2006/metadata/properties" xmlns:xsi="http://www.w3.org/2001/XMLSchema-instance" xmlns:pc="http://schemas.microsoft.com/office/infopath/2007/PartnerControls">
-  <documentManagement>
-    <SharedWithUsers xmlns="d6656b4d-3fa0-4709-acfb-d5e813445d1e">
-      <UserInfo>
-        <DisplayName>Schott, Thomas H.</DisplayName>
-        <AccountId>17</AccountId>
-        <AccountType/>
-      </UserInfo>
-      <UserInfo>
-        <DisplayName>Sarault, Olivia M</DisplayName>
-        <AccountId>29</AccountId>
-        <AccountType/>
-      </UserInfo>
-      <UserInfo>
-        <DisplayName>Hiller, Kelly R</DisplayName>
-        <AccountId>98</AccountId>
-        <AccountType/>
-      </UserInfo>
-      <UserInfo>
-        <DisplayName>Eddy, Abigail Ellen</DisplayName>
-        <AccountId>46</AccountId>
-        <AccountType/>
-      </UserInfo>
-      <UserInfo>
-        <DisplayName>Gu, Yu Rain</DisplayName>
-        <AccountId>77</AccountId>
-        <AccountType/>
-      </UserInfo>
-      <UserInfo>
-        <DisplayName>Reese, Kristy S</DisplayName>
-        <AccountId>26</AccountId>
-        <AccountType/>
-      </UserInfo>
-    </SharedWithUsers>
-    <lcf76f155ced4ddcb4097134ff3c332f xmlns="37af3f4b-4b66-46f9-8456-831d9bc3e737">
-      <Terms xmlns="http://schemas.microsoft.com/office/infopath/2007/PartnerControls"/>
-    </lcf76f155ced4ddcb4097134ff3c332f>
-    <TaxCatchAll xmlns="d6656b4d-3fa0-4709-acfb-d5e813445d1e" xsi:nil="true"/>
-  </documentManagement>
-</p:properties>
-</file>
-
 <file path=customXml/item3.xml><?xml version="1.0" encoding="utf-8"?>
 <?mso-contentType ?>
 <FormTemplates xmlns="http://schemas.microsoft.com/sharepoint/v3/contenttype/forms">
@@ -15487,6 +15487,23 @@
 </file>
 
 <file path=customXml/itemProps1.xml><?xml version="1.0" encoding="utf-8"?>
+<ds:datastoreItem xmlns:ds="http://schemas.openxmlformats.org/officeDocument/2006/customXml" ds:itemID="{21DE0D6C-581B-4814-98E7-EF172D5D46A1}">
+  <ds:schemaRefs>
+    <ds:schemaRef ds:uri="http://schemas.microsoft.com/office/2006/documentManagement/types"/>
+    <ds:schemaRef ds:uri="http://schemas.microsoft.com/office/2006/metadata/properties"/>
+    <ds:schemaRef ds:uri="37af3f4b-4b66-46f9-8456-831d9bc3e737"/>
+    <ds:schemaRef ds:uri="http://purl.org/dc/terms/"/>
+    <ds:schemaRef ds:uri="http://purl.org/dc/dcmitype/"/>
+    <ds:schemaRef ds:uri="http://schemas.openxmlformats.org/package/2006/metadata/core-properties"/>
+    <ds:schemaRef ds:uri="http://schemas.microsoft.com/office/infopath/2007/PartnerControls"/>
+    <ds:schemaRef ds:uri="d6656b4d-3fa0-4709-acfb-d5e813445d1e"/>
+    <ds:schemaRef ds:uri="http://www.w3.org/XML/1998/namespace"/>
+    <ds:schemaRef ds:uri="http://purl.org/dc/elements/1.1/"/>
+  </ds:schemaRefs>
+</ds:datastoreItem>
+</file>
+
+<file path=customXml/itemProps2.xml><?xml version="1.0" encoding="utf-8"?>
 <ds:datastoreItem xmlns:ds="http://schemas.openxmlformats.org/officeDocument/2006/customXml" ds:itemID="{64D795B0-FAA0-424A-9B96-7691ED1EF26B}">
   <ds:schemaRefs>
     <ds:schemaRef ds:uri="http://schemas.microsoft.com/office/2006/metadata/contentType"/>
@@ -15505,23 +15522,6 @@
 </ds:datastoreItem>
 </file>
 
-<file path=customXml/itemProps2.xml><?xml version="1.0" encoding="utf-8"?>
-<ds:datastoreItem xmlns:ds="http://schemas.openxmlformats.org/officeDocument/2006/customXml" ds:itemID="{21DE0D6C-581B-4814-98E7-EF172D5D46A1}">
-  <ds:schemaRefs>
-    <ds:schemaRef ds:uri="http://schemas.microsoft.com/office/2006/documentManagement/types"/>
-    <ds:schemaRef ds:uri="http://schemas.microsoft.com/office/2006/metadata/properties"/>
-    <ds:schemaRef ds:uri="37af3f4b-4b66-46f9-8456-831d9bc3e737"/>
-    <ds:schemaRef ds:uri="http://purl.org/dc/terms/"/>
-    <ds:schemaRef ds:uri="http://purl.org/dc/dcmitype/"/>
-    <ds:schemaRef ds:uri="http://schemas.openxmlformats.org/package/2006/metadata/core-properties"/>
-    <ds:schemaRef ds:uri="http://schemas.microsoft.com/office/infopath/2007/PartnerControls"/>
-    <ds:schemaRef ds:uri="d6656b4d-3fa0-4709-acfb-d5e813445d1e"/>
-    <ds:schemaRef ds:uri="http://www.w3.org/XML/1998/namespace"/>
-    <ds:schemaRef ds:uri="http://purl.org/dc/elements/1.1/"/>
-  </ds:schemaRefs>
-</ds:datastoreItem>
-</file>
-
 <file path=customXml/itemProps3.xml><?xml version="1.0" encoding="utf-8"?>
 <ds:datastoreItem xmlns:ds="http://schemas.openxmlformats.org/officeDocument/2006/customXml" ds:itemID="{F5B64EEB-1B4A-4920-AA44-E234D7D487D1}">
   <ds:schemaRefs>
